--- a/Artefato 16 - DFD essencial.pptx
+++ b/Artefato 16 - DFD essencial.pptx
@@ -104,6 +104,11 @@
       </a:defRPr>
     </a:lvl9pPr>
   </p:defaultTextStyle>
+  <p:extLst>
+    <p:ext uri="{EFAFB233-063F-42B5-8137-9DF3F51BA10A}">
+      <p15:sldGuideLst xmlns:p15="http://schemas.microsoft.com/office/powerpoint/2012/main"/>
+    </p:ext>
+  </p:extLst>
 </p:presentation>
 </file>
 
@@ -254,7 +259,7 @@
           <a:p>
             <a:fld id="{2ABDA125-2419-4306-B559-7388AD9A52D7}" type="datetimeFigureOut">
               <a:rPr lang="pt-BR" smtClean="0"/>
-              <a:t>22/10/2020</a:t>
+              <a:t>10/11/2020</a:t>
             </a:fld>
             <a:endParaRPr lang="pt-BR"/>
           </a:p>
@@ -452,7 +457,7 @@
           <a:p>
             <a:fld id="{2ABDA125-2419-4306-B559-7388AD9A52D7}" type="datetimeFigureOut">
               <a:rPr lang="pt-BR" smtClean="0"/>
-              <a:t>22/10/2020</a:t>
+              <a:t>10/11/2020</a:t>
             </a:fld>
             <a:endParaRPr lang="pt-BR"/>
           </a:p>
@@ -660,7 +665,7 @@
           <a:p>
             <a:fld id="{2ABDA125-2419-4306-B559-7388AD9A52D7}" type="datetimeFigureOut">
               <a:rPr lang="pt-BR" smtClean="0"/>
-              <a:t>22/10/2020</a:t>
+              <a:t>10/11/2020</a:t>
             </a:fld>
             <a:endParaRPr lang="pt-BR"/>
           </a:p>
@@ -858,7 +863,7 @@
           <a:p>
             <a:fld id="{2ABDA125-2419-4306-B559-7388AD9A52D7}" type="datetimeFigureOut">
               <a:rPr lang="pt-BR" smtClean="0"/>
-              <a:t>22/10/2020</a:t>
+              <a:t>10/11/2020</a:t>
             </a:fld>
             <a:endParaRPr lang="pt-BR"/>
           </a:p>
@@ -1133,7 +1138,7 @@
           <a:p>
             <a:fld id="{2ABDA125-2419-4306-B559-7388AD9A52D7}" type="datetimeFigureOut">
               <a:rPr lang="pt-BR" smtClean="0"/>
-              <a:t>22/10/2020</a:t>
+              <a:t>10/11/2020</a:t>
             </a:fld>
             <a:endParaRPr lang="pt-BR"/>
           </a:p>
@@ -1398,7 +1403,7 @@
           <a:p>
             <a:fld id="{2ABDA125-2419-4306-B559-7388AD9A52D7}" type="datetimeFigureOut">
               <a:rPr lang="pt-BR" smtClean="0"/>
-              <a:t>22/10/2020</a:t>
+              <a:t>10/11/2020</a:t>
             </a:fld>
             <a:endParaRPr lang="pt-BR"/>
           </a:p>
@@ -1810,7 +1815,7 @@
           <a:p>
             <a:fld id="{2ABDA125-2419-4306-B559-7388AD9A52D7}" type="datetimeFigureOut">
               <a:rPr lang="pt-BR" smtClean="0"/>
-              <a:t>22/10/2020</a:t>
+              <a:t>10/11/2020</a:t>
             </a:fld>
             <a:endParaRPr lang="pt-BR"/>
           </a:p>
@@ -1951,7 +1956,7 @@
           <a:p>
             <a:fld id="{2ABDA125-2419-4306-B559-7388AD9A52D7}" type="datetimeFigureOut">
               <a:rPr lang="pt-BR" smtClean="0"/>
-              <a:t>22/10/2020</a:t>
+              <a:t>10/11/2020</a:t>
             </a:fld>
             <a:endParaRPr lang="pt-BR"/>
           </a:p>
@@ -2064,7 +2069,7 @@
           <a:p>
             <a:fld id="{2ABDA125-2419-4306-B559-7388AD9A52D7}" type="datetimeFigureOut">
               <a:rPr lang="pt-BR" smtClean="0"/>
-              <a:t>22/10/2020</a:t>
+              <a:t>10/11/2020</a:t>
             </a:fld>
             <a:endParaRPr lang="pt-BR"/>
           </a:p>
@@ -2375,7 +2380,7 @@
           <a:p>
             <a:fld id="{2ABDA125-2419-4306-B559-7388AD9A52D7}" type="datetimeFigureOut">
               <a:rPr lang="pt-BR" smtClean="0"/>
-              <a:t>22/10/2020</a:t>
+              <a:t>10/11/2020</a:t>
             </a:fld>
             <a:endParaRPr lang="pt-BR"/>
           </a:p>
@@ -2663,7 +2668,7 @@
           <a:p>
             <a:fld id="{2ABDA125-2419-4306-B559-7388AD9A52D7}" type="datetimeFigureOut">
               <a:rPr lang="pt-BR" smtClean="0"/>
-              <a:t>22/10/2020</a:t>
+              <a:t>10/11/2020</a:t>
             </a:fld>
             <a:endParaRPr lang="pt-BR"/>
           </a:p>
@@ -2904,7 +2909,7 @@
           <a:p>
             <a:fld id="{2ABDA125-2419-4306-B559-7388AD9A52D7}" type="datetimeFigureOut">
               <a:rPr lang="pt-BR" smtClean="0"/>
-              <a:t>22/10/2020</a:t>
+              <a:t>10/11/2020</a:t>
             </a:fld>
             <a:endParaRPr lang="pt-BR"/>
           </a:p>
@@ -3359,10 +3364,10 @@
       </p:sp>
       <p:pic>
         <p:nvPicPr>
-          <p:cNvPr id="17" name="Espaço Reservado para Conteúdo 16">
-            <a:extLst>
-              <a:ext uri="{FF2B5EF4-FFF2-40B4-BE49-F238E27FC236}">
-                <a16:creationId xmlns:a16="http://schemas.microsoft.com/office/drawing/2014/main" id="{34DB5110-15A5-4BF9-A60E-EA56BADF7428}"/>
+          <p:cNvPr id="5" name="Espaço Reservado para Conteúdo 4">
+            <a:extLst>
+              <a:ext uri="{FF2B5EF4-FFF2-40B4-BE49-F238E27FC236}">
+                <a16:creationId xmlns:a16="http://schemas.microsoft.com/office/drawing/2014/main" id="{982BF938-9764-4B48-A8D6-D385B29B6825}"/>
               </a:ext>
             </a:extLst>
           </p:cNvPr>
@@ -3381,8 +3386,8 @@
         </p:blipFill>
         <p:spPr>
           <a:xfrm>
-            <a:off x="2714846" y="687830"/>
-            <a:ext cx="6762307" cy="5904356"/>
+            <a:off x="2450237" y="1136055"/>
+            <a:ext cx="6764783" cy="5596685"/>
           </a:xfrm>
           <a:prstGeom prst="rect">
             <a:avLst/>
